--- a/instruction/instruction_spatialgeomtry.pptx
+++ b/instruction/instruction_spatialgeomtry.pptx
@@ -268,7 +268,7 @@
           <a:p>
             <a:fld id="{ACB3CB1A-9759-C34A-9CC4-BAF3566D6ADE}" type="datetimeFigureOut">
               <a:rPr lang="en-JP" smtClean="0"/>
-              <a:t>2021/09/16</a:t>
+              <a:t>2021/10/15</a:t>
             </a:fld>
             <a:endParaRPr lang="en-JP"/>
           </a:p>
@@ -468,7 +468,7 @@
           <a:p>
             <a:fld id="{ACB3CB1A-9759-C34A-9CC4-BAF3566D6ADE}" type="datetimeFigureOut">
               <a:rPr lang="en-JP" smtClean="0"/>
-              <a:t>2021/09/16</a:t>
+              <a:t>2021/10/15</a:t>
             </a:fld>
             <a:endParaRPr lang="en-JP"/>
           </a:p>
@@ -678,7 +678,7 @@
           <a:p>
             <a:fld id="{ACB3CB1A-9759-C34A-9CC4-BAF3566D6ADE}" type="datetimeFigureOut">
               <a:rPr lang="en-JP" smtClean="0"/>
-              <a:t>2021/09/16</a:t>
+              <a:t>2021/10/15</a:t>
             </a:fld>
             <a:endParaRPr lang="en-JP"/>
           </a:p>
@@ -878,7 +878,7 @@
           <a:p>
             <a:fld id="{ACB3CB1A-9759-C34A-9CC4-BAF3566D6ADE}" type="datetimeFigureOut">
               <a:rPr lang="en-JP" smtClean="0"/>
-              <a:t>2021/09/16</a:t>
+              <a:t>2021/10/15</a:t>
             </a:fld>
             <a:endParaRPr lang="en-JP"/>
           </a:p>
@@ -1154,7 +1154,7 @@
           <a:p>
             <a:fld id="{ACB3CB1A-9759-C34A-9CC4-BAF3566D6ADE}" type="datetimeFigureOut">
               <a:rPr lang="en-JP" smtClean="0"/>
-              <a:t>2021/09/16</a:t>
+              <a:t>2021/10/15</a:t>
             </a:fld>
             <a:endParaRPr lang="en-JP"/>
           </a:p>
@@ -1422,7 +1422,7 @@
           <a:p>
             <a:fld id="{ACB3CB1A-9759-C34A-9CC4-BAF3566D6ADE}" type="datetimeFigureOut">
               <a:rPr lang="en-JP" smtClean="0"/>
-              <a:t>2021/09/16</a:t>
+              <a:t>2021/10/15</a:t>
             </a:fld>
             <a:endParaRPr lang="en-JP"/>
           </a:p>
@@ -1837,7 +1837,7 @@
           <a:p>
             <a:fld id="{ACB3CB1A-9759-C34A-9CC4-BAF3566D6ADE}" type="datetimeFigureOut">
               <a:rPr lang="en-JP" smtClean="0"/>
-              <a:t>2021/09/16</a:t>
+              <a:t>2021/10/15</a:t>
             </a:fld>
             <a:endParaRPr lang="en-JP"/>
           </a:p>
@@ -1979,7 +1979,7 @@
           <a:p>
             <a:fld id="{ACB3CB1A-9759-C34A-9CC4-BAF3566D6ADE}" type="datetimeFigureOut">
               <a:rPr lang="en-JP" smtClean="0"/>
-              <a:t>2021/09/16</a:t>
+              <a:t>2021/10/15</a:t>
             </a:fld>
             <a:endParaRPr lang="en-JP"/>
           </a:p>
@@ -2092,7 +2092,7 @@
           <a:p>
             <a:fld id="{ACB3CB1A-9759-C34A-9CC4-BAF3566D6ADE}" type="datetimeFigureOut">
               <a:rPr lang="en-JP" smtClean="0"/>
-              <a:t>2021/09/16</a:t>
+              <a:t>2021/10/15</a:t>
             </a:fld>
             <a:endParaRPr lang="en-JP"/>
           </a:p>
@@ -2405,7 +2405,7 @@
           <a:p>
             <a:fld id="{ACB3CB1A-9759-C34A-9CC4-BAF3566D6ADE}" type="datetimeFigureOut">
               <a:rPr lang="en-JP" smtClean="0"/>
-              <a:t>2021/09/16</a:t>
+              <a:t>2021/10/15</a:t>
             </a:fld>
             <a:endParaRPr lang="en-JP"/>
           </a:p>
@@ -2694,7 +2694,7 @@
           <a:p>
             <a:fld id="{ACB3CB1A-9759-C34A-9CC4-BAF3566D6ADE}" type="datetimeFigureOut">
               <a:rPr lang="en-JP" smtClean="0"/>
-              <a:t>2021/09/16</a:t>
+              <a:t>2021/10/15</a:t>
             </a:fld>
             <a:endParaRPr lang="en-JP"/>
           </a:p>
@@ -2937,7 +2937,7 @@
           <a:p>
             <a:fld id="{ACB3CB1A-9759-C34A-9CC4-BAF3566D6ADE}" type="datetimeFigureOut">
               <a:rPr lang="en-JP" smtClean="0"/>
-              <a:t>2021/09/16</a:t>
+              <a:t>2021/10/15</a:t>
             </a:fld>
             <a:endParaRPr lang="en-JP"/>
           </a:p>
@@ -3340,6 +3340,14 @@
 <file path=ppt/slides/slide1.xml><?xml version="1.0" encoding="utf-8"?>
 <p:sld xmlns:a="http://schemas.openxmlformats.org/drawingml/2006/main" xmlns:r="http://schemas.openxmlformats.org/officeDocument/2006/relationships" xmlns:p="http://schemas.openxmlformats.org/presentationml/2006/main">
   <p:cSld>
+    <p:bg>
+      <p:bgPr>
+        <a:solidFill>
+          <a:srgbClr val="929292"/>
+        </a:solidFill>
+        <a:effectLst/>
+      </p:bgPr>
+    </p:bg>
     <p:spTree>
       <p:nvGrpSpPr>
         <p:cNvPr id="1" name=""/>
@@ -3384,11 +3392,17 @@
             <a:pPr algn="ctr"/>
             <a:r>
               <a:rPr lang="en-US" sz="5400" dirty="0">
+                <a:solidFill>
+                  <a:schemeClr val="bg1"/>
+                </a:solidFill>
                 <a:latin typeface="Calibri" panose="020F0502020204030204" pitchFamily="34" charset="0"/>
               </a:rPr>
               <a:t>The fMRI scan will start soon. Your task is to watch a movie. We will ask you questions about the movie after you finish watching. Please try to stay still and do not move your head during the scan. </a:t>
             </a:r>
             <a:endParaRPr lang="en-US" sz="5400" dirty="0">
+              <a:solidFill>
+                <a:schemeClr val="bg1"/>
+              </a:solidFill>
               <a:effectLst/>
             </a:endParaRPr>
           </a:p>
@@ -3470,6 +3484,14 @@
 <file path=ppt/slides/slide3.xml><?xml version="1.0" encoding="utf-8"?>
 <p:sld xmlns:a="http://schemas.openxmlformats.org/drawingml/2006/main" xmlns:r="http://schemas.openxmlformats.org/officeDocument/2006/relationships" xmlns:p="http://schemas.openxmlformats.org/presentationml/2006/main">
   <p:cSld>
+    <p:bg>
+      <p:bgPr>
+        <a:solidFill>
+          <a:srgbClr val="929292"/>
+        </a:solidFill>
+        <a:effectLst/>
+      </p:bgPr>
+    </p:bg>
     <p:spTree>
       <p:nvGrpSpPr>
         <p:cNvPr id="1" name=""/>
@@ -3514,42 +3536,63 @@
             <a:pPr algn="ctr"/>
             <a:r>
               <a:rPr lang="en-US" sz="5400" dirty="0">
+                <a:solidFill>
+                  <a:schemeClr val="bg1"/>
+                </a:solidFill>
                 <a:latin typeface="Calibri" panose="020F0502020204030204" pitchFamily="34" charset="0"/>
               </a:rPr>
               <a:t>Please select a picture that you have </a:t>
             </a:r>
             <a:r>
               <a:rPr lang="en-US" sz="5400" b="1" dirty="0">
+                <a:solidFill>
+                  <a:schemeClr val="bg1"/>
+                </a:solidFill>
                 <a:latin typeface="Calibri" panose="020F0502020204030204" pitchFamily="34" charset="0"/>
               </a:rPr>
               <a:t>NOT</a:t>
             </a:r>
             <a:r>
               <a:rPr lang="en-US" sz="5400" dirty="0">
+                <a:solidFill>
+                  <a:schemeClr val="bg1"/>
+                </a:solidFill>
                 <a:latin typeface="Calibri" panose="020F0502020204030204" pitchFamily="34" charset="0"/>
               </a:rPr>
               <a:t> seen in the movie you just watched. Press the</a:t>
             </a:r>
             <a:r>
               <a:rPr lang="en-US" sz="5400" b="1" dirty="0">
+                <a:solidFill>
+                  <a:schemeClr val="bg1"/>
+                </a:solidFill>
                 <a:latin typeface="Calibri" panose="020F0502020204030204" pitchFamily="34" charset="0"/>
               </a:rPr>
               <a:t> left, right </a:t>
             </a:r>
             <a:r>
               <a:rPr lang="en-US" sz="5400" dirty="0">
+                <a:solidFill>
+                  <a:schemeClr val="bg1"/>
+                </a:solidFill>
                 <a:latin typeface="Calibri" panose="020F0502020204030204" pitchFamily="34" charset="0"/>
               </a:rPr>
               <a:t>buttons</a:t>
             </a:r>
             <a:r>
               <a:rPr lang="en-US" sz="5400" b="1" dirty="0">
+                <a:solidFill>
+                  <a:schemeClr val="bg1"/>
+                </a:solidFill>
                 <a:latin typeface="Calibri" panose="020F0502020204030204" pitchFamily="34" charset="0"/>
               </a:rPr>
               <a:t> </a:t>
             </a:r>
             <a:r>
               <a:rPr lang="en-US" sz="5400" dirty="0">
+                <a:solidFill>
+                  <a:schemeClr val="bg1"/>
+                </a:solidFill>
                 <a:latin typeface="Calibri" panose="020F0502020204030204" pitchFamily="34" charset="0"/>
               </a:rPr>
               <a:t>to confirm. </a:t>
@@ -3573,6 +3616,14 @@
 <file path=ppt/slides/slide4.xml><?xml version="1.0" encoding="utf-8"?>
 <p:sld xmlns:a="http://schemas.openxmlformats.org/drawingml/2006/main" xmlns:r="http://schemas.openxmlformats.org/officeDocument/2006/relationships" xmlns:p="http://schemas.openxmlformats.org/presentationml/2006/main">
   <p:cSld>
+    <p:bg>
+      <p:bgPr>
+        <a:solidFill>
+          <a:srgbClr val="929292"/>
+        </a:solidFill>
+        <a:effectLst/>
+      </p:bgPr>
+    </p:bg>
     <p:spTree>
       <p:nvGrpSpPr>
         <p:cNvPr id="1" name=""/>
@@ -3589,10 +3640,10 @@
       </p:grpSpPr>
       <p:pic>
         <p:nvPicPr>
-          <p:cNvPr id="4" name="Picture 3">
-            <a:extLst>
-              <a:ext uri="{FF2B5EF4-FFF2-40B4-BE49-F238E27FC236}">
-                <a16:creationId xmlns:a16="http://schemas.microsoft.com/office/drawing/2014/main" id="{A97F532A-9E05-834D-AB96-90D832E15C50}"/>
+          <p:cNvPr id="3" name="Picture 2">
+            <a:extLst>
+              <a:ext uri="{FF2B5EF4-FFF2-40B4-BE49-F238E27FC236}">
+                <a16:creationId xmlns:a16="http://schemas.microsoft.com/office/drawing/2014/main" id="{0CD6000A-685A-DA46-AD7B-32FF38C71C72}"/>
               </a:ext>
             </a:extLst>
           </p:cNvPr>
@@ -3603,6 +3654,66 @@
         </p:nvPicPr>
         <p:blipFill>
           <a:blip r:embed="rId2"/>
+          <a:stretch>
+            <a:fillRect/>
+          </a:stretch>
+        </p:blipFill>
+        <p:spPr>
+          <a:xfrm>
+            <a:off x="8433891" y="447437"/>
+            <a:ext cx="1447800" cy="1435100"/>
+          </a:xfrm>
+          <a:prstGeom prst="rect">
+            <a:avLst/>
+          </a:prstGeom>
+        </p:spPr>
+      </p:pic>
+      <p:pic>
+        <p:nvPicPr>
+          <p:cNvPr id="6" name="Picture 5">
+            <a:extLst>
+              <a:ext uri="{FF2B5EF4-FFF2-40B4-BE49-F238E27FC236}">
+                <a16:creationId xmlns:a16="http://schemas.microsoft.com/office/drawing/2014/main" id="{51E823D7-E172-B343-9C4A-C5C163355B04}"/>
+              </a:ext>
+            </a:extLst>
+          </p:cNvPr>
+          <p:cNvPicPr>
+            <a:picLocks noChangeAspect="1"/>
+          </p:cNvPicPr>
+          <p:nvPr/>
+        </p:nvPicPr>
+        <p:blipFill>
+          <a:blip r:embed="rId3"/>
+          <a:stretch>
+            <a:fillRect/>
+          </a:stretch>
+        </p:blipFill>
+        <p:spPr>
+          <a:xfrm>
+            <a:off x="2302510" y="450971"/>
+            <a:ext cx="1447800" cy="1435100"/>
+          </a:xfrm>
+          <a:prstGeom prst="rect">
+            <a:avLst/>
+          </a:prstGeom>
+        </p:spPr>
+      </p:pic>
+      <p:pic>
+        <p:nvPicPr>
+          <p:cNvPr id="4" name="Picture 3">
+            <a:extLst>
+              <a:ext uri="{FF2B5EF4-FFF2-40B4-BE49-F238E27FC236}">
+                <a16:creationId xmlns:a16="http://schemas.microsoft.com/office/drawing/2014/main" id="{A97F532A-9E05-834D-AB96-90D832E15C50}"/>
+              </a:ext>
+            </a:extLst>
+          </p:cNvPr>
+          <p:cNvPicPr>
+            <a:picLocks noChangeAspect="1"/>
+          </p:cNvPicPr>
+          <p:nvPr/>
+        </p:nvPicPr>
+        <p:blipFill>
+          <a:blip r:embed="rId4"/>
           <a:stretch>
             <a:fillRect/>
           </a:stretch>
@@ -3632,7 +3743,7 @@
           <p:nvPr/>
         </p:nvPicPr>
         <p:blipFill>
-          <a:blip r:embed="rId3"/>
+          <a:blip r:embed="rId5"/>
           <a:stretch>
             <a:fillRect/>
           </a:stretch>
@@ -3641,78 +3752,6 @@
           <a:xfrm>
             <a:off x="6208734" y="2075328"/>
             <a:ext cx="5760000" cy="3240000"/>
-          </a:xfrm>
-          <a:prstGeom prst="rect">
-            <a:avLst/>
-          </a:prstGeom>
-        </p:spPr>
-      </p:pic>
-      <p:pic>
-        <p:nvPicPr>
-          <p:cNvPr id="16" name="Graphic 15" descr="Circle with right arrow">
-            <a:extLst>
-              <a:ext uri="{FF2B5EF4-FFF2-40B4-BE49-F238E27FC236}">
-                <a16:creationId xmlns:a16="http://schemas.microsoft.com/office/drawing/2014/main" id="{B8CDC93E-2403-B64A-AE9C-0494BFAFC947}"/>
-              </a:ext>
-            </a:extLst>
-          </p:cNvPr>
-          <p:cNvPicPr>
-            <a:picLocks noChangeAspect="1"/>
-          </p:cNvPicPr>
-          <p:nvPr/>
-        </p:nvPicPr>
-        <p:blipFill>
-          <a:blip r:embed="rId4">
-            <a:extLst>
-              <a:ext uri="{96DAC541-7B7A-43D3-8B79-37D633B846F1}">
-                <asvg:svgBlip xmlns:asvg="http://schemas.microsoft.com/office/drawing/2016/SVG/main" r:embed="rId5"/>
-              </a:ext>
-            </a:extLst>
-          </a:blip>
-          <a:stretch>
-            <a:fillRect/>
-          </a:stretch>
-        </p:blipFill>
-        <p:spPr>
-          <a:xfrm>
-            <a:off x="2310311" y="447437"/>
-            <a:ext cx="1440000" cy="1440000"/>
-          </a:xfrm>
-          <a:prstGeom prst="rect">
-            <a:avLst/>
-          </a:prstGeom>
-        </p:spPr>
-      </p:pic>
-      <p:pic>
-        <p:nvPicPr>
-          <p:cNvPr id="18" name="Graphic 17" descr="Circle with right arrow">
-            <a:extLst>
-              <a:ext uri="{FF2B5EF4-FFF2-40B4-BE49-F238E27FC236}">
-                <a16:creationId xmlns:a16="http://schemas.microsoft.com/office/drawing/2014/main" id="{B22E2628-5016-454E-A934-378D36078C2A}"/>
-              </a:ext>
-            </a:extLst>
-          </p:cNvPr>
-          <p:cNvPicPr>
-            <a:picLocks noChangeAspect="1"/>
-          </p:cNvPicPr>
-          <p:nvPr/>
-        </p:nvPicPr>
-        <p:blipFill>
-          <a:blip r:embed="rId4">
-            <a:extLst>
-              <a:ext uri="{96DAC541-7B7A-43D3-8B79-37D633B846F1}">
-                <asvg:svgBlip xmlns:asvg="http://schemas.microsoft.com/office/drawing/2016/SVG/main" r:embed="rId5"/>
-              </a:ext>
-            </a:extLst>
-          </a:blip>
-          <a:stretch>
-            <a:fillRect/>
-          </a:stretch>
-        </p:blipFill>
-        <p:spPr>
-          <a:xfrm flipH="1">
-            <a:off x="8441691" y="447437"/>
-            <a:ext cx="1440000" cy="1440000"/>
           </a:xfrm>
           <a:prstGeom prst="rect">
             <a:avLst/>
@@ -3735,6 +3774,14 @@
 <file path=ppt/slides/slide5.xml><?xml version="1.0" encoding="utf-8"?>
 <p:sld xmlns:a="http://schemas.openxmlformats.org/drawingml/2006/main" xmlns:r="http://schemas.openxmlformats.org/officeDocument/2006/relationships" xmlns:p="http://schemas.openxmlformats.org/presentationml/2006/main">
   <p:cSld>
+    <p:bg>
+      <p:bgPr>
+        <a:solidFill>
+          <a:srgbClr val="929292"/>
+        </a:solidFill>
+        <a:effectLst/>
+      </p:bgPr>
+    </p:bg>
     <p:spTree>
       <p:nvGrpSpPr>
         <p:cNvPr id="1" name=""/>
@@ -3779,12 +3826,18 @@
             <a:pPr algn="ctr"/>
             <a:r>
               <a:rPr lang="en-US" altLang="ja-JP" sz="5400" dirty="0">
+                <a:solidFill>
+                  <a:schemeClr val="bg1"/>
+                </a:solidFill>
                 <a:latin typeface="Calibri" panose="020F0502020204030204" pitchFamily="34" charset="0"/>
               </a:rPr>
               <a:t>fMRI</a:t>
             </a:r>
             <a:r>
               <a:rPr lang="ja-JP" altLang="en-US" sz="5400">
+                <a:solidFill>
+                  <a:schemeClr val="bg1"/>
+                </a:solidFill>
                 <a:latin typeface="Calibri" panose="020F0502020204030204" pitchFamily="34" charset="0"/>
               </a:rPr>
               <a:t>のスキャンが始めます。取り組んでいただく課題は、映像を見ることです。また、映像を見終わった後に映画についての質問に回答していただきます。検査中は、なるべく頭を動かさず、じっとしていてください。</a:t>
@@ -3868,6 +3921,14 @@
 <file path=ppt/slides/slide7.xml><?xml version="1.0" encoding="utf-8"?>
 <p:sld xmlns:a="http://schemas.openxmlformats.org/drawingml/2006/main" xmlns:r="http://schemas.openxmlformats.org/officeDocument/2006/relationships" xmlns:p="http://schemas.openxmlformats.org/presentationml/2006/main">
   <p:cSld>
+    <p:bg>
+      <p:bgPr>
+        <a:solidFill>
+          <a:srgbClr val="929292"/>
+        </a:solidFill>
+        <a:effectLst/>
+      </p:bgPr>
+    </p:bg>
     <p:spTree>
       <p:nvGrpSpPr>
         <p:cNvPr id="1" name=""/>
@@ -3912,47 +3973,71 @@
             <a:pPr algn="ctr"/>
             <a:r>
               <a:rPr lang="ja-JP" altLang="en-US" sz="5400">
+                <a:solidFill>
+                  <a:schemeClr val="bg1"/>
+                </a:solidFill>
                 <a:latin typeface="Calibri" panose="020F0502020204030204" pitchFamily="34" charset="0"/>
               </a:rPr>
               <a:t>いま見たの映像の中では</a:t>
             </a:r>
             <a:r>
               <a:rPr lang="ja-JP" altLang="en-US" sz="5400" b="1">
+                <a:solidFill>
+                  <a:schemeClr val="bg1"/>
+                </a:solidFill>
                 <a:latin typeface="Calibri" panose="020F0502020204030204" pitchFamily="34" charset="0"/>
               </a:rPr>
               <a:t>見ていない</a:t>
             </a:r>
             <a:r>
               <a:rPr lang="ja-JP" altLang="en-US" sz="5400">
+                <a:solidFill>
+                  <a:schemeClr val="bg1"/>
+                </a:solidFill>
                 <a:latin typeface="Calibri" panose="020F0502020204030204" pitchFamily="34" charset="0"/>
               </a:rPr>
               <a:t>画像を選んでください。</a:t>
             </a:r>
             <a:r>
               <a:rPr lang="ja-JP" altLang="en-US" sz="5400" b="1">
+                <a:solidFill>
+                  <a:schemeClr val="bg1"/>
+                </a:solidFill>
                 <a:latin typeface="Calibri" panose="020F0502020204030204" pitchFamily="34" charset="0"/>
               </a:rPr>
               <a:t>左</a:t>
             </a:r>
             <a:r>
               <a:rPr lang="ja-JP" altLang="en-US" sz="5400">
+                <a:solidFill>
+                  <a:schemeClr val="bg1"/>
+                </a:solidFill>
                 <a:latin typeface="Calibri" panose="020F0502020204030204" pitchFamily="34" charset="0"/>
               </a:rPr>
               <a:t>または</a:t>
             </a:r>
             <a:r>
               <a:rPr lang="ja-JP" altLang="en-US" sz="5400" b="1">
+                <a:solidFill>
+                  <a:schemeClr val="bg1"/>
+                </a:solidFill>
                 <a:latin typeface="Calibri" panose="020F0502020204030204" pitchFamily="34" charset="0"/>
               </a:rPr>
               <a:t>右</a:t>
             </a:r>
             <a:r>
               <a:rPr lang="ja-JP" altLang="en-US" sz="5400">
+                <a:solidFill>
+                  <a:schemeClr val="bg1"/>
+                </a:solidFill>
                 <a:latin typeface="Calibri" panose="020F0502020204030204" pitchFamily="34" charset="0"/>
               </a:rPr>
               <a:t>ボタンを押して決定してください。</a:t>
             </a:r>
             <a:endParaRPr lang="en-US" sz="5400" dirty="0">
+              <a:solidFill>
+                <a:schemeClr val="bg1"/>
+              </a:solidFill>
               <a:latin typeface="Calibri" panose="020F0502020204030204" pitchFamily="34" charset="0"/>
             </a:endParaRPr>
           </a:p>
@@ -3974,6 +4059,14 @@
 <file path=ppt/slides/slide8.xml><?xml version="1.0" encoding="utf-8"?>
 <p:sld xmlns:a="http://schemas.openxmlformats.org/drawingml/2006/main" xmlns:r="http://schemas.openxmlformats.org/officeDocument/2006/relationships" xmlns:p="http://schemas.openxmlformats.org/presentationml/2006/main">
   <p:cSld>
+    <p:bg>
+      <p:bgPr>
+        <a:solidFill>
+          <a:srgbClr val="929292"/>
+        </a:solidFill>
+        <a:effectLst/>
+      </p:bgPr>
+    </p:bg>
     <p:spTree>
       <p:nvGrpSpPr>
         <p:cNvPr id="1" name=""/>
@@ -3990,10 +4083,10 @@
       </p:grpSpPr>
       <p:pic>
         <p:nvPicPr>
-          <p:cNvPr id="4" name="Picture 3">
-            <a:extLst>
-              <a:ext uri="{FF2B5EF4-FFF2-40B4-BE49-F238E27FC236}">
-                <a16:creationId xmlns:a16="http://schemas.microsoft.com/office/drawing/2014/main" id="{A97F532A-9E05-834D-AB96-90D832E15C50}"/>
+          <p:cNvPr id="6" name="Picture 5">
+            <a:extLst>
+              <a:ext uri="{FF2B5EF4-FFF2-40B4-BE49-F238E27FC236}">
+                <a16:creationId xmlns:a16="http://schemas.microsoft.com/office/drawing/2014/main" id="{3602CDCA-3C35-6441-A026-ACAFDD745FE8}"/>
               </a:ext>
             </a:extLst>
           </p:cNvPr>
@@ -4004,6 +4097,66 @@
         </p:nvPicPr>
         <p:blipFill>
           <a:blip r:embed="rId2"/>
+          <a:stretch>
+            <a:fillRect/>
+          </a:stretch>
+        </p:blipFill>
+        <p:spPr>
+          <a:xfrm>
+            <a:off x="8433891" y="447437"/>
+            <a:ext cx="1447800" cy="1435100"/>
+          </a:xfrm>
+          <a:prstGeom prst="rect">
+            <a:avLst/>
+          </a:prstGeom>
+        </p:spPr>
+      </p:pic>
+      <p:pic>
+        <p:nvPicPr>
+          <p:cNvPr id="7" name="Picture 6">
+            <a:extLst>
+              <a:ext uri="{FF2B5EF4-FFF2-40B4-BE49-F238E27FC236}">
+                <a16:creationId xmlns:a16="http://schemas.microsoft.com/office/drawing/2014/main" id="{F619B406-8072-BA45-8631-48A897859634}"/>
+              </a:ext>
+            </a:extLst>
+          </p:cNvPr>
+          <p:cNvPicPr>
+            <a:picLocks noChangeAspect="1"/>
+          </p:cNvPicPr>
+          <p:nvPr/>
+        </p:nvPicPr>
+        <p:blipFill>
+          <a:blip r:embed="rId3"/>
+          <a:stretch>
+            <a:fillRect/>
+          </a:stretch>
+        </p:blipFill>
+        <p:spPr>
+          <a:xfrm>
+            <a:off x="2302510" y="450971"/>
+            <a:ext cx="1447800" cy="1435100"/>
+          </a:xfrm>
+          <a:prstGeom prst="rect">
+            <a:avLst/>
+          </a:prstGeom>
+        </p:spPr>
+      </p:pic>
+      <p:pic>
+        <p:nvPicPr>
+          <p:cNvPr id="4" name="Picture 3">
+            <a:extLst>
+              <a:ext uri="{FF2B5EF4-FFF2-40B4-BE49-F238E27FC236}">
+                <a16:creationId xmlns:a16="http://schemas.microsoft.com/office/drawing/2014/main" id="{A97F532A-9E05-834D-AB96-90D832E15C50}"/>
+              </a:ext>
+            </a:extLst>
+          </p:cNvPr>
+          <p:cNvPicPr>
+            <a:picLocks noChangeAspect="1"/>
+          </p:cNvPicPr>
+          <p:nvPr/>
+        </p:nvPicPr>
+        <p:blipFill>
+          <a:blip r:embed="rId4"/>
           <a:stretch>
             <a:fillRect/>
           </a:stretch>
@@ -4033,7 +4186,7 @@
           <p:nvPr/>
         </p:nvPicPr>
         <p:blipFill>
-          <a:blip r:embed="rId3"/>
+          <a:blip r:embed="rId5"/>
           <a:stretch>
             <a:fillRect/>
           </a:stretch>
@@ -4042,78 +4195,6 @@
           <a:xfrm>
             <a:off x="6208734" y="2075328"/>
             <a:ext cx="5760000" cy="3240000"/>
-          </a:xfrm>
-          <a:prstGeom prst="rect">
-            <a:avLst/>
-          </a:prstGeom>
-        </p:spPr>
-      </p:pic>
-      <p:pic>
-        <p:nvPicPr>
-          <p:cNvPr id="16" name="Graphic 15" descr="Circle with right arrow">
-            <a:extLst>
-              <a:ext uri="{FF2B5EF4-FFF2-40B4-BE49-F238E27FC236}">
-                <a16:creationId xmlns:a16="http://schemas.microsoft.com/office/drawing/2014/main" id="{B8CDC93E-2403-B64A-AE9C-0494BFAFC947}"/>
-              </a:ext>
-            </a:extLst>
-          </p:cNvPr>
-          <p:cNvPicPr>
-            <a:picLocks noChangeAspect="1"/>
-          </p:cNvPicPr>
-          <p:nvPr/>
-        </p:nvPicPr>
-        <p:blipFill>
-          <a:blip r:embed="rId4">
-            <a:extLst>
-              <a:ext uri="{96DAC541-7B7A-43D3-8B79-37D633B846F1}">
-                <asvg:svgBlip xmlns:asvg="http://schemas.microsoft.com/office/drawing/2016/SVG/main" r:embed="rId5"/>
-              </a:ext>
-            </a:extLst>
-          </a:blip>
-          <a:stretch>
-            <a:fillRect/>
-          </a:stretch>
-        </p:blipFill>
-        <p:spPr>
-          <a:xfrm>
-            <a:off x="2310311" y="447437"/>
-            <a:ext cx="1440000" cy="1440000"/>
-          </a:xfrm>
-          <a:prstGeom prst="rect">
-            <a:avLst/>
-          </a:prstGeom>
-        </p:spPr>
-      </p:pic>
-      <p:pic>
-        <p:nvPicPr>
-          <p:cNvPr id="18" name="Graphic 17" descr="Circle with right arrow">
-            <a:extLst>
-              <a:ext uri="{FF2B5EF4-FFF2-40B4-BE49-F238E27FC236}">
-                <a16:creationId xmlns:a16="http://schemas.microsoft.com/office/drawing/2014/main" id="{B22E2628-5016-454E-A934-378D36078C2A}"/>
-              </a:ext>
-            </a:extLst>
-          </p:cNvPr>
-          <p:cNvPicPr>
-            <a:picLocks noChangeAspect="1"/>
-          </p:cNvPicPr>
-          <p:nvPr/>
-        </p:nvPicPr>
-        <p:blipFill>
-          <a:blip r:embed="rId4">
-            <a:extLst>
-              <a:ext uri="{96DAC541-7B7A-43D3-8B79-37D633B846F1}">
-                <asvg:svgBlip xmlns:asvg="http://schemas.microsoft.com/office/drawing/2016/SVG/main" r:embed="rId5"/>
-              </a:ext>
-            </a:extLst>
-          </a:blip>
-          <a:stretch>
-            <a:fillRect/>
-          </a:stretch>
-        </p:blipFill>
-        <p:spPr>
-          <a:xfrm flipH="1">
-            <a:off x="8441691" y="447437"/>
-            <a:ext cx="1440000" cy="1440000"/>
           </a:xfrm>
           <a:prstGeom prst="rect">
             <a:avLst/>
